--- a/pictures/pdf/MappingAlg3maps.pptx
+++ b/pictures/pdf/MappingAlg3maps.pptx
@@ -2,12 +2,12 @@
 <file path=ppt/presentation.xml><?xml version="1.0" encoding="utf-8"?>
 <p:presentation xmlns:a="http://schemas.openxmlformats.org/drawingml/2006/main" xmlns:r="http://schemas.openxmlformats.org/officeDocument/2006/relationships" xmlns:p="http://schemas.openxmlformats.org/presentationml/2006/main" saveSubsetFonts="1">
   <p:sldMasterIdLst>
-    <p:sldMasterId id="2147483672" r:id="rId1"/>
+    <p:sldMasterId id="2147483708" r:id="rId1"/>
   </p:sldMasterIdLst>
   <p:sldIdLst>
     <p:sldId id="258" r:id="rId2"/>
   </p:sldIdLst>
-  <p:sldSz cx="12801600" cy="8229600"/>
+  <p:sldSz cx="12801600" cy="11887200"/>
   <p:notesSz cx="6858000" cy="9144000"/>
   <p:defaultTextStyle>
     <a:defPPr>
@@ -141,15 +141,15 @@
         </p:nvSpPr>
         <p:spPr>
           <a:xfrm>
-            <a:off x="1600200" y="1346836"/>
-            <a:ext cx="9601200" cy="2865120"/>
+            <a:off x="960120" y="1945429"/>
+            <a:ext cx="10881360" cy="4138507"/>
           </a:xfrm>
         </p:spPr>
         <p:txBody>
           <a:bodyPr anchor="b"/>
           <a:lstStyle>
             <a:lvl1pPr algn="ctr">
-              <a:defRPr sz="6300"/>
+              <a:defRPr sz="8400"/>
             </a:lvl1pPr>
           </a:lstStyle>
           <a:p>
@@ -173,8 +173,8 @@
         </p:nvSpPr>
         <p:spPr>
           <a:xfrm>
-            <a:off x="1600200" y="4322446"/>
-            <a:ext cx="9601200" cy="1986914"/>
+            <a:off x="1600200" y="6243533"/>
+            <a:ext cx="9601200" cy="2869987"/>
           </a:xfrm>
         </p:spPr>
         <p:txBody>
@@ -182,39 +182,39 @@
           <a:lstStyle>
             <a:lvl1pPr marL="0" indent="0" algn="ctr">
               <a:buNone/>
+              <a:defRPr sz="3360"/>
+            </a:lvl1pPr>
+            <a:lvl2pPr marL="640080" indent="0" algn="ctr">
+              <a:buNone/>
+              <a:defRPr sz="2800"/>
+            </a:lvl2pPr>
+            <a:lvl3pPr marL="1280160" indent="0" algn="ctr">
+              <a:buNone/>
               <a:defRPr sz="2520"/>
-            </a:lvl1pPr>
-            <a:lvl2pPr marL="480060" indent="0" algn="ctr">
-              <a:buNone/>
-              <a:defRPr sz="2100"/>
-            </a:lvl2pPr>
-            <a:lvl3pPr marL="960120" indent="0" algn="ctr">
-              <a:buNone/>
-              <a:defRPr sz="1890"/>
             </a:lvl3pPr>
-            <a:lvl4pPr marL="1440180" indent="0" algn="ctr">
-              <a:buNone/>
-              <a:defRPr sz="1680"/>
+            <a:lvl4pPr marL="1920240" indent="0" algn="ctr">
+              <a:buNone/>
+              <a:defRPr sz="2240"/>
             </a:lvl4pPr>
-            <a:lvl5pPr marL="1920240" indent="0" algn="ctr">
-              <a:buNone/>
-              <a:defRPr sz="1680"/>
+            <a:lvl5pPr marL="2560320" indent="0" algn="ctr">
+              <a:buNone/>
+              <a:defRPr sz="2240"/>
             </a:lvl5pPr>
-            <a:lvl6pPr marL="2400300" indent="0" algn="ctr">
-              <a:buNone/>
-              <a:defRPr sz="1680"/>
+            <a:lvl6pPr marL="3200400" indent="0" algn="ctr">
+              <a:buNone/>
+              <a:defRPr sz="2240"/>
             </a:lvl6pPr>
-            <a:lvl7pPr marL="2880360" indent="0" algn="ctr">
-              <a:buNone/>
-              <a:defRPr sz="1680"/>
+            <a:lvl7pPr marL="3840480" indent="0" algn="ctr">
+              <a:buNone/>
+              <a:defRPr sz="2240"/>
             </a:lvl7pPr>
-            <a:lvl8pPr marL="3360420" indent="0" algn="ctr">
-              <a:buNone/>
-              <a:defRPr sz="1680"/>
+            <a:lvl8pPr marL="4480560" indent="0" algn="ctr">
+              <a:buNone/>
+              <a:defRPr sz="2240"/>
             </a:lvl8pPr>
-            <a:lvl9pPr marL="3840480" indent="0" algn="ctr">
-              <a:buNone/>
-              <a:defRPr sz="1680"/>
+            <a:lvl9pPr marL="5120640" indent="0" algn="ctr">
+              <a:buNone/>
+              <a:defRPr sz="2240"/>
             </a:lvl9pPr>
           </a:lstStyle>
           <a:p>
@@ -243,7 +243,7 @@
           <a:p>
             <a:fld id="{128B2BB6-DE7B-44D1-BBCC-4DE62C6920C0}" type="datetimeFigureOut">
               <a:rPr lang="en-US" smtClean="0"/>
-              <a:t>2/28/2017</a:t>
+              <a:t>3/1/2017</a:t>
             </a:fld>
             <a:endParaRPr lang="en-US"/>
           </a:p>
@@ -294,7 +294,7 @@
     </p:spTree>
     <p:extLst>
       <p:ext uri="{BB962C8B-B14F-4D97-AF65-F5344CB8AC3E}">
-        <p14:creationId xmlns:p14="http://schemas.microsoft.com/office/powerpoint/2010/main" val="2494913867"/>
+        <p14:creationId xmlns:p14="http://schemas.microsoft.com/office/powerpoint/2010/main" val="1654206126"/>
       </p:ext>
     </p:extLst>
   </p:cSld>
@@ -413,7 +413,7 @@
           <a:p>
             <a:fld id="{128B2BB6-DE7B-44D1-BBCC-4DE62C6920C0}" type="datetimeFigureOut">
               <a:rPr lang="en-US" smtClean="0"/>
-              <a:t>2/28/2017</a:t>
+              <a:t>3/1/2017</a:t>
             </a:fld>
             <a:endParaRPr lang="en-US"/>
           </a:p>
@@ -464,7 +464,7 @@
     </p:spTree>
     <p:extLst>
       <p:ext uri="{BB962C8B-B14F-4D97-AF65-F5344CB8AC3E}">
-        <p14:creationId xmlns:p14="http://schemas.microsoft.com/office/powerpoint/2010/main" val="2329900386"/>
+        <p14:creationId xmlns:p14="http://schemas.microsoft.com/office/powerpoint/2010/main" val="3041074006"/>
       </p:ext>
     </p:extLst>
   </p:cSld>
@@ -503,8 +503,8 @@
         </p:nvSpPr>
         <p:spPr>
           <a:xfrm>
-            <a:off x="9161145" y="438150"/>
-            <a:ext cx="2760345" cy="6974206"/>
+            <a:off x="9161146" y="632883"/>
+            <a:ext cx="2760345" cy="10073853"/>
           </a:xfrm>
         </p:spPr>
         <p:txBody>
@@ -531,8 +531,8 @@
         </p:nvSpPr>
         <p:spPr>
           <a:xfrm>
-            <a:off x="880110" y="438150"/>
-            <a:ext cx="8121015" cy="6974206"/>
+            <a:off x="880111" y="632883"/>
+            <a:ext cx="8121015" cy="10073853"/>
           </a:xfrm>
         </p:spPr>
         <p:txBody>
@@ -593,7 +593,7 @@
           <a:p>
             <a:fld id="{128B2BB6-DE7B-44D1-BBCC-4DE62C6920C0}" type="datetimeFigureOut">
               <a:rPr lang="en-US" smtClean="0"/>
-              <a:t>2/28/2017</a:t>
+              <a:t>3/1/2017</a:t>
             </a:fld>
             <a:endParaRPr lang="en-US"/>
           </a:p>
@@ -644,7 +644,7 @@
     </p:spTree>
     <p:extLst>
       <p:ext uri="{BB962C8B-B14F-4D97-AF65-F5344CB8AC3E}">
-        <p14:creationId xmlns:p14="http://schemas.microsoft.com/office/powerpoint/2010/main" val="3555575899"/>
+        <p14:creationId xmlns:p14="http://schemas.microsoft.com/office/powerpoint/2010/main" val="1795662605"/>
       </p:ext>
     </p:extLst>
   </p:cSld>
@@ -763,7 +763,7 @@
           <a:p>
             <a:fld id="{128B2BB6-DE7B-44D1-BBCC-4DE62C6920C0}" type="datetimeFigureOut">
               <a:rPr lang="en-US" smtClean="0"/>
-              <a:t>2/28/2017</a:t>
+              <a:t>3/1/2017</a:t>
             </a:fld>
             <a:endParaRPr lang="en-US"/>
           </a:p>
@@ -814,7 +814,7 @@
     </p:spTree>
     <p:extLst>
       <p:ext uri="{BB962C8B-B14F-4D97-AF65-F5344CB8AC3E}">
-        <p14:creationId xmlns:p14="http://schemas.microsoft.com/office/powerpoint/2010/main" val="255081198"/>
+        <p14:creationId xmlns:p14="http://schemas.microsoft.com/office/powerpoint/2010/main" val="4228991594"/>
       </p:ext>
     </p:extLst>
   </p:cSld>
@@ -853,15 +853,15 @@
         </p:nvSpPr>
         <p:spPr>
           <a:xfrm>
-            <a:off x="873443" y="2051686"/>
-            <a:ext cx="11041380" cy="3423284"/>
+            <a:off x="873443" y="2963549"/>
+            <a:ext cx="11041380" cy="4944744"/>
           </a:xfrm>
         </p:spPr>
         <p:txBody>
           <a:bodyPr anchor="b"/>
           <a:lstStyle>
             <a:lvl1pPr>
-              <a:defRPr sz="6300"/>
+              <a:defRPr sz="8400"/>
             </a:lvl1pPr>
           </a:lstStyle>
           <a:p>
@@ -885,14 +885,32 @@
         </p:nvSpPr>
         <p:spPr>
           <a:xfrm>
-            <a:off x="873443" y="5507356"/>
-            <a:ext cx="11041380" cy="1800224"/>
+            <a:off x="873443" y="7955072"/>
+            <a:ext cx="11041380" cy="2600324"/>
           </a:xfrm>
         </p:spPr>
         <p:txBody>
           <a:bodyPr/>
           <a:lstStyle>
             <a:lvl1pPr marL="0" indent="0">
+              <a:buNone/>
+              <a:defRPr sz="3360">
+                <a:solidFill>
+                  <a:schemeClr val="tx1"/>
+                </a:solidFill>
+              </a:defRPr>
+            </a:lvl1pPr>
+            <a:lvl2pPr marL="640080" indent="0">
+              <a:buNone/>
+              <a:defRPr sz="2800">
+                <a:solidFill>
+                  <a:schemeClr val="tx1">
+                    <a:tint val="75000"/>
+                  </a:schemeClr>
+                </a:solidFill>
+              </a:defRPr>
+            </a:lvl2pPr>
+            <a:lvl3pPr marL="1280160" indent="0">
               <a:buNone/>
               <a:defRPr sz="2520">
                 <a:solidFill>
@@ -901,30 +919,10 @@
                   </a:schemeClr>
                 </a:solidFill>
               </a:defRPr>
-            </a:lvl1pPr>
-            <a:lvl2pPr marL="480060" indent="0">
-              <a:buNone/>
-              <a:defRPr sz="2100">
-                <a:solidFill>
-                  <a:schemeClr val="tx1">
-                    <a:tint val="75000"/>
-                  </a:schemeClr>
-                </a:solidFill>
-              </a:defRPr>
-            </a:lvl2pPr>
-            <a:lvl3pPr marL="960120" indent="0">
-              <a:buNone/>
-              <a:defRPr sz="1890">
-                <a:solidFill>
-                  <a:schemeClr val="tx1">
-                    <a:tint val="75000"/>
-                  </a:schemeClr>
-                </a:solidFill>
-              </a:defRPr>
             </a:lvl3pPr>
-            <a:lvl4pPr marL="1440180" indent="0">
-              <a:buNone/>
-              <a:defRPr sz="1680">
+            <a:lvl4pPr marL="1920240" indent="0">
+              <a:buNone/>
+              <a:defRPr sz="2240">
                 <a:solidFill>
                   <a:schemeClr val="tx1">
                     <a:tint val="75000"/>
@@ -932,9 +930,9 @@
                 </a:solidFill>
               </a:defRPr>
             </a:lvl4pPr>
-            <a:lvl5pPr marL="1920240" indent="0">
-              <a:buNone/>
-              <a:defRPr sz="1680">
+            <a:lvl5pPr marL="2560320" indent="0">
+              <a:buNone/>
+              <a:defRPr sz="2240">
                 <a:solidFill>
                   <a:schemeClr val="tx1">
                     <a:tint val="75000"/>
@@ -942,9 +940,9 @@
                 </a:solidFill>
               </a:defRPr>
             </a:lvl5pPr>
-            <a:lvl6pPr marL="2400300" indent="0">
-              <a:buNone/>
-              <a:defRPr sz="1680">
+            <a:lvl6pPr marL="3200400" indent="0">
+              <a:buNone/>
+              <a:defRPr sz="2240">
                 <a:solidFill>
                   <a:schemeClr val="tx1">
                     <a:tint val="75000"/>
@@ -952,9 +950,9 @@
                 </a:solidFill>
               </a:defRPr>
             </a:lvl6pPr>
-            <a:lvl7pPr marL="2880360" indent="0">
-              <a:buNone/>
-              <a:defRPr sz="1680">
+            <a:lvl7pPr marL="3840480" indent="0">
+              <a:buNone/>
+              <a:defRPr sz="2240">
                 <a:solidFill>
                   <a:schemeClr val="tx1">
                     <a:tint val="75000"/>
@@ -962,9 +960,9 @@
                 </a:solidFill>
               </a:defRPr>
             </a:lvl7pPr>
-            <a:lvl8pPr marL="3360420" indent="0">
-              <a:buNone/>
-              <a:defRPr sz="1680">
+            <a:lvl8pPr marL="4480560" indent="0">
+              <a:buNone/>
+              <a:defRPr sz="2240">
                 <a:solidFill>
                   <a:schemeClr val="tx1">
                     <a:tint val="75000"/>
@@ -972,9 +970,9 @@
                 </a:solidFill>
               </a:defRPr>
             </a:lvl8pPr>
-            <a:lvl9pPr marL="3840480" indent="0">
-              <a:buNone/>
-              <a:defRPr sz="1680">
+            <a:lvl9pPr marL="5120640" indent="0">
+              <a:buNone/>
+              <a:defRPr sz="2240">
                 <a:solidFill>
                   <a:schemeClr val="tx1">
                     <a:tint val="75000"/>
@@ -1009,7 +1007,7 @@
           <a:p>
             <a:fld id="{128B2BB6-DE7B-44D1-BBCC-4DE62C6920C0}" type="datetimeFigureOut">
               <a:rPr lang="en-US" smtClean="0"/>
-              <a:t>2/28/2017</a:t>
+              <a:t>3/1/2017</a:t>
             </a:fld>
             <a:endParaRPr lang="en-US"/>
           </a:p>
@@ -1060,7 +1058,7 @@
     </p:spTree>
     <p:extLst>
       <p:ext uri="{BB962C8B-B14F-4D97-AF65-F5344CB8AC3E}">
-        <p14:creationId xmlns:p14="http://schemas.microsoft.com/office/powerpoint/2010/main" val="3591007962"/>
+        <p14:creationId xmlns:p14="http://schemas.microsoft.com/office/powerpoint/2010/main" val="2432680302"/>
       </p:ext>
     </p:extLst>
   </p:cSld>
@@ -1122,8 +1120,8 @@
         </p:nvSpPr>
         <p:spPr>
           <a:xfrm>
-            <a:off x="880110" y="2190750"/>
-            <a:ext cx="5440680" cy="5221606"/>
+            <a:off x="880110" y="3164417"/>
+            <a:ext cx="5440680" cy="7542319"/>
           </a:xfrm>
         </p:spPr>
         <p:txBody>
@@ -1179,8 +1177,8 @@
         </p:nvSpPr>
         <p:spPr>
           <a:xfrm>
-            <a:off x="6480810" y="2190750"/>
-            <a:ext cx="5440680" cy="5221606"/>
+            <a:off x="6480810" y="3164417"/>
+            <a:ext cx="5440680" cy="7542319"/>
           </a:xfrm>
         </p:spPr>
         <p:txBody>
@@ -1241,7 +1239,7 @@
           <a:p>
             <a:fld id="{128B2BB6-DE7B-44D1-BBCC-4DE62C6920C0}" type="datetimeFigureOut">
               <a:rPr lang="en-US" smtClean="0"/>
-              <a:t>2/28/2017</a:t>
+              <a:t>3/1/2017</a:t>
             </a:fld>
             <a:endParaRPr lang="en-US"/>
           </a:p>
@@ -1292,7 +1290,7 @@
     </p:spTree>
     <p:extLst>
       <p:ext uri="{BB962C8B-B14F-4D97-AF65-F5344CB8AC3E}">
-        <p14:creationId xmlns:p14="http://schemas.microsoft.com/office/powerpoint/2010/main" val="987591649"/>
+        <p14:creationId xmlns:p14="http://schemas.microsoft.com/office/powerpoint/2010/main" val="2909377804"/>
       </p:ext>
     </p:extLst>
   </p:cSld>
@@ -1331,8 +1329,8 @@
         </p:nvSpPr>
         <p:spPr>
           <a:xfrm>
-            <a:off x="881777" y="438150"/>
-            <a:ext cx="11041380" cy="1590676"/>
+            <a:off x="881777" y="632886"/>
+            <a:ext cx="11041380" cy="2297643"/>
           </a:xfrm>
         </p:spPr>
         <p:txBody>
@@ -1359,8 +1357,8 @@
         </p:nvSpPr>
         <p:spPr>
           <a:xfrm>
-            <a:off x="881778" y="2017396"/>
-            <a:ext cx="5415676" cy="988694"/>
+            <a:off x="881779" y="2914016"/>
+            <a:ext cx="5415676" cy="1428114"/>
           </a:xfrm>
         </p:spPr>
         <p:txBody>
@@ -1368,39 +1366,39 @@
           <a:lstStyle>
             <a:lvl1pPr marL="0" indent="0">
               <a:buNone/>
+              <a:defRPr sz="3360" b="1"/>
+            </a:lvl1pPr>
+            <a:lvl2pPr marL="640080" indent="0">
+              <a:buNone/>
+              <a:defRPr sz="2800" b="1"/>
+            </a:lvl2pPr>
+            <a:lvl3pPr marL="1280160" indent="0">
+              <a:buNone/>
               <a:defRPr sz="2520" b="1"/>
-            </a:lvl1pPr>
-            <a:lvl2pPr marL="480060" indent="0">
-              <a:buNone/>
-              <a:defRPr sz="2100" b="1"/>
-            </a:lvl2pPr>
-            <a:lvl3pPr marL="960120" indent="0">
-              <a:buNone/>
-              <a:defRPr sz="1890" b="1"/>
             </a:lvl3pPr>
-            <a:lvl4pPr marL="1440180" indent="0">
-              <a:buNone/>
-              <a:defRPr sz="1680" b="1"/>
+            <a:lvl4pPr marL="1920240" indent="0">
+              <a:buNone/>
+              <a:defRPr sz="2240" b="1"/>
             </a:lvl4pPr>
-            <a:lvl5pPr marL="1920240" indent="0">
-              <a:buNone/>
-              <a:defRPr sz="1680" b="1"/>
+            <a:lvl5pPr marL="2560320" indent="0">
+              <a:buNone/>
+              <a:defRPr sz="2240" b="1"/>
             </a:lvl5pPr>
-            <a:lvl6pPr marL="2400300" indent="0">
-              <a:buNone/>
-              <a:defRPr sz="1680" b="1"/>
+            <a:lvl6pPr marL="3200400" indent="0">
+              <a:buNone/>
+              <a:defRPr sz="2240" b="1"/>
             </a:lvl6pPr>
-            <a:lvl7pPr marL="2880360" indent="0">
-              <a:buNone/>
-              <a:defRPr sz="1680" b="1"/>
+            <a:lvl7pPr marL="3840480" indent="0">
+              <a:buNone/>
+              <a:defRPr sz="2240" b="1"/>
             </a:lvl7pPr>
-            <a:lvl8pPr marL="3360420" indent="0">
-              <a:buNone/>
-              <a:defRPr sz="1680" b="1"/>
+            <a:lvl8pPr marL="4480560" indent="0">
+              <a:buNone/>
+              <a:defRPr sz="2240" b="1"/>
             </a:lvl8pPr>
-            <a:lvl9pPr marL="3840480" indent="0">
-              <a:buNone/>
-              <a:defRPr sz="1680" b="1"/>
+            <a:lvl9pPr marL="5120640" indent="0">
+              <a:buNone/>
+              <a:defRPr sz="2240" b="1"/>
             </a:lvl9pPr>
           </a:lstStyle>
           <a:p>
@@ -1424,8 +1422,8 @@
         </p:nvSpPr>
         <p:spPr>
           <a:xfrm>
-            <a:off x="881778" y="3006090"/>
-            <a:ext cx="5415676" cy="4421506"/>
+            <a:off x="881779" y="4342130"/>
+            <a:ext cx="5415676" cy="6386619"/>
           </a:xfrm>
         </p:spPr>
         <p:txBody>
@@ -1481,8 +1479,8 @@
         </p:nvSpPr>
         <p:spPr>
           <a:xfrm>
-            <a:off x="6480810" y="2017396"/>
-            <a:ext cx="5442347" cy="988694"/>
+            <a:off x="6480811" y="2914016"/>
+            <a:ext cx="5442347" cy="1428114"/>
           </a:xfrm>
         </p:spPr>
         <p:txBody>
@@ -1490,39 +1488,39 @@
           <a:lstStyle>
             <a:lvl1pPr marL="0" indent="0">
               <a:buNone/>
+              <a:defRPr sz="3360" b="1"/>
+            </a:lvl1pPr>
+            <a:lvl2pPr marL="640080" indent="0">
+              <a:buNone/>
+              <a:defRPr sz="2800" b="1"/>
+            </a:lvl2pPr>
+            <a:lvl3pPr marL="1280160" indent="0">
+              <a:buNone/>
               <a:defRPr sz="2520" b="1"/>
-            </a:lvl1pPr>
-            <a:lvl2pPr marL="480060" indent="0">
-              <a:buNone/>
-              <a:defRPr sz="2100" b="1"/>
-            </a:lvl2pPr>
-            <a:lvl3pPr marL="960120" indent="0">
-              <a:buNone/>
-              <a:defRPr sz="1890" b="1"/>
             </a:lvl3pPr>
-            <a:lvl4pPr marL="1440180" indent="0">
-              <a:buNone/>
-              <a:defRPr sz="1680" b="1"/>
+            <a:lvl4pPr marL="1920240" indent="0">
+              <a:buNone/>
+              <a:defRPr sz="2240" b="1"/>
             </a:lvl4pPr>
-            <a:lvl5pPr marL="1920240" indent="0">
-              <a:buNone/>
-              <a:defRPr sz="1680" b="1"/>
+            <a:lvl5pPr marL="2560320" indent="0">
+              <a:buNone/>
+              <a:defRPr sz="2240" b="1"/>
             </a:lvl5pPr>
-            <a:lvl6pPr marL="2400300" indent="0">
-              <a:buNone/>
-              <a:defRPr sz="1680" b="1"/>
+            <a:lvl6pPr marL="3200400" indent="0">
+              <a:buNone/>
+              <a:defRPr sz="2240" b="1"/>
             </a:lvl6pPr>
-            <a:lvl7pPr marL="2880360" indent="0">
-              <a:buNone/>
-              <a:defRPr sz="1680" b="1"/>
+            <a:lvl7pPr marL="3840480" indent="0">
+              <a:buNone/>
+              <a:defRPr sz="2240" b="1"/>
             </a:lvl7pPr>
-            <a:lvl8pPr marL="3360420" indent="0">
-              <a:buNone/>
-              <a:defRPr sz="1680" b="1"/>
+            <a:lvl8pPr marL="4480560" indent="0">
+              <a:buNone/>
+              <a:defRPr sz="2240" b="1"/>
             </a:lvl8pPr>
-            <a:lvl9pPr marL="3840480" indent="0">
-              <a:buNone/>
-              <a:defRPr sz="1680" b="1"/>
+            <a:lvl9pPr marL="5120640" indent="0">
+              <a:buNone/>
+              <a:defRPr sz="2240" b="1"/>
             </a:lvl9pPr>
           </a:lstStyle>
           <a:p>
@@ -1546,8 +1544,8 @@
         </p:nvSpPr>
         <p:spPr>
           <a:xfrm>
-            <a:off x="6480810" y="3006090"/>
-            <a:ext cx="5442347" cy="4421506"/>
+            <a:off x="6480811" y="4342130"/>
+            <a:ext cx="5442347" cy="6386619"/>
           </a:xfrm>
         </p:spPr>
         <p:txBody>
@@ -1608,7 +1606,7 @@
           <a:p>
             <a:fld id="{128B2BB6-DE7B-44D1-BBCC-4DE62C6920C0}" type="datetimeFigureOut">
               <a:rPr lang="en-US" smtClean="0"/>
-              <a:t>2/28/2017</a:t>
+              <a:t>3/1/2017</a:t>
             </a:fld>
             <a:endParaRPr lang="en-US"/>
           </a:p>
@@ -1659,7 +1657,7 @@
     </p:spTree>
     <p:extLst>
       <p:ext uri="{BB962C8B-B14F-4D97-AF65-F5344CB8AC3E}">
-        <p14:creationId xmlns:p14="http://schemas.microsoft.com/office/powerpoint/2010/main" val="15055993"/>
+        <p14:creationId xmlns:p14="http://schemas.microsoft.com/office/powerpoint/2010/main" val="3990608725"/>
       </p:ext>
     </p:extLst>
   </p:cSld>
@@ -1726,7 +1724,7 @@
           <a:p>
             <a:fld id="{128B2BB6-DE7B-44D1-BBCC-4DE62C6920C0}" type="datetimeFigureOut">
               <a:rPr lang="en-US" smtClean="0"/>
-              <a:t>2/28/2017</a:t>
+              <a:t>3/1/2017</a:t>
             </a:fld>
             <a:endParaRPr lang="en-US"/>
           </a:p>
@@ -1777,7 +1775,7 @@
     </p:spTree>
     <p:extLst>
       <p:ext uri="{BB962C8B-B14F-4D97-AF65-F5344CB8AC3E}">
-        <p14:creationId xmlns:p14="http://schemas.microsoft.com/office/powerpoint/2010/main" val="347620871"/>
+        <p14:creationId xmlns:p14="http://schemas.microsoft.com/office/powerpoint/2010/main" val="2737597276"/>
       </p:ext>
     </p:extLst>
   </p:cSld>
@@ -1821,7 +1819,7 @@
           <a:p>
             <a:fld id="{128B2BB6-DE7B-44D1-BBCC-4DE62C6920C0}" type="datetimeFigureOut">
               <a:rPr lang="en-US" smtClean="0"/>
-              <a:t>2/28/2017</a:t>
+              <a:t>3/1/2017</a:t>
             </a:fld>
             <a:endParaRPr lang="en-US"/>
           </a:p>
@@ -1872,7 +1870,7 @@
     </p:spTree>
     <p:extLst>
       <p:ext uri="{BB962C8B-B14F-4D97-AF65-F5344CB8AC3E}">
-        <p14:creationId xmlns:p14="http://schemas.microsoft.com/office/powerpoint/2010/main" val="1697536215"/>
+        <p14:creationId xmlns:p14="http://schemas.microsoft.com/office/powerpoint/2010/main" val="4104312897"/>
       </p:ext>
     </p:extLst>
   </p:cSld>
@@ -1911,15 +1909,15 @@
         </p:nvSpPr>
         <p:spPr>
           <a:xfrm>
-            <a:off x="881778" y="548640"/>
-            <a:ext cx="4128849" cy="1920240"/>
+            <a:off x="881778" y="792480"/>
+            <a:ext cx="4128849" cy="2773680"/>
           </a:xfrm>
         </p:spPr>
         <p:txBody>
           <a:bodyPr anchor="b"/>
           <a:lstStyle>
             <a:lvl1pPr>
-              <a:defRPr sz="3360"/>
+              <a:defRPr sz="4480"/>
             </a:lvl1pPr>
           </a:lstStyle>
           <a:p>
@@ -1943,39 +1941,39 @@
         </p:nvSpPr>
         <p:spPr>
           <a:xfrm>
-            <a:off x="5442347" y="1184911"/>
-            <a:ext cx="6480810" cy="5848350"/>
+            <a:off x="5442347" y="1711539"/>
+            <a:ext cx="6480810" cy="8447617"/>
           </a:xfrm>
         </p:spPr>
         <p:txBody>
           <a:bodyPr/>
           <a:lstStyle>
             <a:lvl1pPr>
-              <a:defRPr sz="3360"/>
+              <a:defRPr sz="4480"/>
             </a:lvl1pPr>
             <a:lvl2pPr>
-              <a:defRPr sz="2940"/>
+              <a:defRPr sz="3920"/>
             </a:lvl2pPr>
             <a:lvl3pPr>
-              <a:defRPr sz="2520"/>
+              <a:defRPr sz="3360"/>
             </a:lvl3pPr>
             <a:lvl4pPr>
-              <a:defRPr sz="2100"/>
+              <a:defRPr sz="2800"/>
             </a:lvl4pPr>
             <a:lvl5pPr>
-              <a:defRPr sz="2100"/>
+              <a:defRPr sz="2800"/>
             </a:lvl5pPr>
             <a:lvl6pPr>
-              <a:defRPr sz="2100"/>
+              <a:defRPr sz="2800"/>
             </a:lvl6pPr>
             <a:lvl7pPr>
-              <a:defRPr sz="2100"/>
+              <a:defRPr sz="2800"/>
             </a:lvl7pPr>
             <a:lvl8pPr>
-              <a:defRPr sz="2100"/>
+              <a:defRPr sz="2800"/>
             </a:lvl8pPr>
             <a:lvl9pPr>
-              <a:defRPr sz="2100"/>
+              <a:defRPr sz="2800"/>
             </a:lvl9pPr>
           </a:lstStyle>
           <a:p>
@@ -2028,8 +2026,8 @@
         </p:nvSpPr>
         <p:spPr>
           <a:xfrm>
-            <a:off x="881778" y="2468880"/>
-            <a:ext cx="4128849" cy="4573906"/>
+            <a:off x="881778" y="3566160"/>
+            <a:ext cx="4128849" cy="6606753"/>
           </a:xfrm>
         </p:spPr>
         <p:txBody>
@@ -2037,39 +2035,39 @@
           <a:lstStyle>
             <a:lvl1pPr marL="0" indent="0">
               <a:buNone/>
+              <a:defRPr sz="2240"/>
+            </a:lvl1pPr>
+            <a:lvl2pPr marL="640080" indent="0">
+              <a:buNone/>
+              <a:defRPr sz="1960"/>
+            </a:lvl2pPr>
+            <a:lvl3pPr marL="1280160" indent="0">
+              <a:buNone/>
               <a:defRPr sz="1680"/>
-            </a:lvl1pPr>
-            <a:lvl2pPr marL="480060" indent="0">
-              <a:buNone/>
-              <a:defRPr sz="1470"/>
-            </a:lvl2pPr>
-            <a:lvl3pPr marL="960120" indent="0">
-              <a:buNone/>
-              <a:defRPr sz="1260"/>
             </a:lvl3pPr>
-            <a:lvl4pPr marL="1440180" indent="0">
-              <a:buNone/>
-              <a:defRPr sz="1050"/>
+            <a:lvl4pPr marL="1920240" indent="0">
+              <a:buNone/>
+              <a:defRPr sz="1400"/>
             </a:lvl4pPr>
-            <a:lvl5pPr marL="1920240" indent="0">
-              <a:buNone/>
-              <a:defRPr sz="1050"/>
+            <a:lvl5pPr marL="2560320" indent="0">
+              <a:buNone/>
+              <a:defRPr sz="1400"/>
             </a:lvl5pPr>
-            <a:lvl6pPr marL="2400300" indent="0">
-              <a:buNone/>
-              <a:defRPr sz="1050"/>
+            <a:lvl6pPr marL="3200400" indent="0">
+              <a:buNone/>
+              <a:defRPr sz="1400"/>
             </a:lvl6pPr>
-            <a:lvl7pPr marL="2880360" indent="0">
-              <a:buNone/>
-              <a:defRPr sz="1050"/>
+            <a:lvl7pPr marL="3840480" indent="0">
+              <a:buNone/>
+              <a:defRPr sz="1400"/>
             </a:lvl7pPr>
-            <a:lvl8pPr marL="3360420" indent="0">
-              <a:buNone/>
-              <a:defRPr sz="1050"/>
+            <a:lvl8pPr marL="4480560" indent="0">
+              <a:buNone/>
+              <a:defRPr sz="1400"/>
             </a:lvl8pPr>
-            <a:lvl9pPr marL="3840480" indent="0">
-              <a:buNone/>
-              <a:defRPr sz="1050"/>
+            <a:lvl9pPr marL="5120640" indent="0">
+              <a:buNone/>
+              <a:defRPr sz="1400"/>
             </a:lvl9pPr>
           </a:lstStyle>
           <a:p>
@@ -2098,7 +2096,7 @@
           <a:p>
             <a:fld id="{128B2BB6-DE7B-44D1-BBCC-4DE62C6920C0}" type="datetimeFigureOut">
               <a:rPr lang="en-US" smtClean="0"/>
-              <a:t>2/28/2017</a:t>
+              <a:t>3/1/2017</a:t>
             </a:fld>
             <a:endParaRPr lang="en-US"/>
           </a:p>
@@ -2149,7 +2147,7 @@
     </p:spTree>
     <p:extLst>
       <p:ext uri="{BB962C8B-B14F-4D97-AF65-F5344CB8AC3E}">
-        <p14:creationId xmlns:p14="http://schemas.microsoft.com/office/powerpoint/2010/main" val="2874142189"/>
+        <p14:creationId xmlns:p14="http://schemas.microsoft.com/office/powerpoint/2010/main" val="3114680415"/>
       </p:ext>
     </p:extLst>
   </p:cSld>
@@ -2188,15 +2186,15 @@
         </p:nvSpPr>
         <p:spPr>
           <a:xfrm>
-            <a:off x="881778" y="548640"/>
-            <a:ext cx="4128849" cy="1920240"/>
+            <a:off x="881778" y="792480"/>
+            <a:ext cx="4128849" cy="2773680"/>
           </a:xfrm>
         </p:spPr>
         <p:txBody>
           <a:bodyPr anchor="b"/>
           <a:lstStyle>
             <a:lvl1pPr>
-              <a:defRPr sz="3360"/>
+              <a:defRPr sz="4480"/>
             </a:lvl1pPr>
           </a:lstStyle>
           <a:p>
@@ -2220,8 +2218,8 @@
         </p:nvSpPr>
         <p:spPr>
           <a:xfrm>
-            <a:off x="5442347" y="1184911"/>
-            <a:ext cx="6480810" cy="5848350"/>
+            <a:off x="5442347" y="1711539"/>
+            <a:ext cx="6480810" cy="8447617"/>
           </a:xfrm>
         </p:spPr>
         <p:txBody>
@@ -2229,39 +2227,39 @@
           <a:lstStyle>
             <a:lvl1pPr marL="0" indent="0">
               <a:buNone/>
+              <a:defRPr sz="4480"/>
+            </a:lvl1pPr>
+            <a:lvl2pPr marL="640080" indent="0">
+              <a:buNone/>
+              <a:defRPr sz="3920"/>
+            </a:lvl2pPr>
+            <a:lvl3pPr marL="1280160" indent="0">
+              <a:buNone/>
               <a:defRPr sz="3360"/>
-            </a:lvl1pPr>
-            <a:lvl2pPr marL="480060" indent="0">
-              <a:buNone/>
-              <a:defRPr sz="2940"/>
-            </a:lvl2pPr>
-            <a:lvl3pPr marL="960120" indent="0">
-              <a:buNone/>
-              <a:defRPr sz="2520"/>
             </a:lvl3pPr>
-            <a:lvl4pPr marL="1440180" indent="0">
-              <a:buNone/>
-              <a:defRPr sz="2100"/>
+            <a:lvl4pPr marL="1920240" indent="0">
+              <a:buNone/>
+              <a:defRPr sz="2800"/>
             </a:lvl4pPr>
-            <a:lvl5pPr marL="1920240" indent="0">
-              <a:buNone/>
-              <a:defRPr sz="2100"/>
+            <a:lvl5pPr marL="2560320" indent="0">
+              <a:buNone/>
+              <a:defRPr sz="2800"/>
             </a:lvl5pPr>
-            <a:lvl6pPr marL="2400300" indent="0">
-              <a:buNone/>
-              <a:defRPr sz="2100"/>
+            <a:lvl6pPr marL="3200400" indent="0">
+              <a:buNone/>
+              <a:defRPr sz="2800"/>
             </a:lvl6pPr>
-            <a:lvl7pPr marL="2880360" indent="0">
-              <a:buNone/>
-              <a:defRPr sz="2100"/>
+            <a:lvl7pPr marL="3840480" indent="0">
+              <a:buNone/>
+              <a:defRPr sz="2800"/>
             </a:lvl7pPr>
-            <a:lvl8pPr marL="3360420" indent="0">
-              <a:buNone/>
-              <a:defRPr sz="2100"/>
+            <a:lvl8pPr marL="4480560" indent="0">
+              <a:buNone/>
+              <a:defRPr sz="2800"/>
             </a:lvl8pPr>
-            <a:lvl9pPr marL="3840480" indent="0">
-              <a:buNone/>
-              <a:defRPr sz="2100"/>
+            <a:lvl9pPr marL="5120640" indent="0">
+              <a:buNone/>
+              <a:defRPr sz="2800"/>
             </a:lvl9pPr>
           </a:lstStyle>
           <a:p>
@@ -2285,8 +2283,8 @@
         </p:nvSpPr>
         <p:spPr>
           <a:xfrm>
-            <a:off x="881778" y="2468880"/>
-            <a:ext cx="4128849" cy="4573906"/>
+            <a:off x="881778" y="3566160"/>
+            <a:ext cx="4128849" cy="6606753"/>
           </a:xfrm>
         </p:spPr>
         <p:txBody>
@@ -2294,39 +2292,39 @@
           <a:lstStyle>
             <a:lvl1pPr marL="0" indent="0">
               <a:buNone/>
+              <a:defRPr sz="2240"/>
+            </a:lvl1pPr>
+            <a:lvl2pPr marL="640080" indent="0">
+              <a:buNone/>
+              <a:defRPr sz="1960"/>
+            </a:lvl2pPr>
+            <a:lvl3pPr marL="1280160" indent="0">
+              <a:buNone/>
               <a:defRPr sz="1680"/>
-            </a:lvl1pPr>
-            <a:lvl2pPr marL="480060" indent="0">
-              <a:buNone/>
-              <a:defRPr sz="1470"/>
-            </a:lvl2pPr>
-            <a:lvl3pPr marL="960120" indent="0">
-              <a:buNone/>
-              <a:defRPr sz="1260"/>
             </a:lvl3pPr>
-            <a:lvl4pPr marL="1440180" indent="0">
-              <a:buNone/>
-              <a:defRPr sz="1050"/>
+            <a:lvl4pPr marL="1920240" indent="0">
+              <a:buNone/>
+              <a:defRPr sz="1400"/>
             </a:lvl4pPr>
-            <a:lvl5pPr marL="1920240" indent="0">
-              <a:buNone/>
-              <a:defRPr sz="1050"/>
+            <a:lvl5pPr marL="2560320" indent="0">
+              <a:buNone/>
+              <a:defRPr sz="1400"/>
             </a:lvl5pPr>
-            <a:lvl6pPr marL="2400300" indent="0">
-              <a:buNone/>
-              <a:defRPr sz="1050"/>
+            <a:lvl6pPr marL="3200400" indent="0">
+              <a:buNone/>
+              <a:defRPr sz="1400"/>
             </a:lvl6pPr>
-            <a:lvl7pPr marL="2880360" indent="0">
-              <a:buNone/>
-              <a:defRPr sz="1050"/>
+            <a:lvl7pPr marL="3840480" indent="0">
+              <a:buNone/>
+              <a:defRPr sz="1400"/>
             </a:lvl7pPr>
-            <a:lvl8pPr marL="3360420" indent="0">
-              <a:buNone/>
-              <a:defRPr sz="1050"/>
+            <a:lvl8pPr marL="4480560" indent="0">
+              <a:buNone/>
+              <a:defRPr sz="1400"/>
             </a:lvl8pPr>
-            <a:lvl9pPr marL="3840480" indent="0">
-              <a:buNone/>
-              <a:defRPr sz="1050"/>
+            <a:lvl9pPr marL="5120640" indent="0">
+              <a:buNone/>
+              <a:defRPr sz="1400"/>
             </a:lvl9pPr>
           </a:lstStyle>
           <a:p>
@@ -2355,7 +2353,7 @@
           <a:p>
             <a:fld id="{128B2BB6-DE7B-44D1-BBCC-4DE62C6920C0}" type="datetimeFigureOut">
               <a:rPr lang="en-US" smtClean="0"/>
-              <a:t>2/28/2017</a:t>
+              <a:t>3/1/2017</a:t>
             </a:fld>
             <a:endParaRPr lang="en-US"/>
           </a:p>
@@ -2406,7 +2404,7 @@
     </p:spTree>
     <p:extLst>
       <p:ext uri="{BB962C8B-B14F-4D97-AF65-F5344CB8AC3E}">
-        <p14:creationId xmlns:p14="http://schemas.microsoft.com/office/powerpoint/2010/main" val="1695578208"/>
+        <p14:creationId xmlns:p14="http://schemas.microsoft.com/office/powerpoint/2010/main" val="1747923708"/>
       </p:ext>
     </p:extLst>
   </p:cSld>
@@ -2450,8 +2448,8 @@
         </p:nvSpPr>
         <p:spPr>
           <a:xfrm>
-            <a:off x="880110" y="438150"/>
-            <a:ext cx="11041380" cy="1590676"/>
+            <a:off x="880110" y="632886"/>
+            <a:ext cx="11041380" cy="2297643"/>
           </a:xfrm>
           <a:prstGeom prst="rect">
             <a:avLst/>
@@ -2483,8 +2481,8 @@
         </p:nvSpPr>
         <p:spPr>
           <a:xfrm>
-            <a:off x="880110" y="2190750"/>
-            <a:ext cx="11041380" cy="5221606"/>
+            <a:off x="880110" y="3164417"/>
+            <a:ext cx="11041380" cy="7542319"/>
           </a:xfrm>
           <a:prstGeom prst="rect">
             <a:avLst/>
@@ -2545,8 +2543,8 @@
         </p:nvSpPr>
         <p:spPr>
           <a:xfrm>
-            <a:off x="880110" y="7627621"/>
-            <a:ext cx="2880360" cy="438150"/>
+            <a:off x="880110" y="11017676"/>
+            <a:ext cx="2880360" cy="632883"/>
           </a:xfrm>
           <a:prstGeom prst="rect">
             <a:avLst/>
@@ -2556,7 +2554,7 @@
           <a:bodyPr vert="horz" lIns="91440" tIns="45720" rIns="91440" bIns="45720" rtlCol="0" anchor="ctr"/>
           <a:lstStyle>
             <a:lvl1pPr algn="l">
-              <a:defRPr sz="1260">
+              <a:defRPr sz="1680">
                 <a:solidFill>
                   <a:schemeClr val="tx1">
                     <a:tint val="75000"/>
@@ -2568,7 +2566,7 @@
           <a:p>
             <a:fld id="{128B2BB6-DE7B-44D1-BBCC-4DE62C6920C0}" type="datetimeFigureOut">
               <a:rPr lang="en-US" smtClean="0"/>
-              <a:t>2/28/2017</a:t>
+              <a:t>3/1/2017</a:t>
             </a:fld>
             <a:endParaRPr lang="en-US"/>
           </a:p>
@@ -2586,8 +2584,8 @@
         </p:nvSpPr>
         <p:spPr>
           <a:xfrm>
-            <a:off x="4240530" y="7627621"/>
-            <a:ext cx="4320540" cy="438150"/>
+            <a:off x="4240530" y="11017676"/>
+            <a:ext cx="4320540" cy="632883"/>
           </a:xfrm>
           <a:prstGeom prst="rect">
             <a:avLst/>
@@ -2597,7 +2595,7 @@
           <a:bodyPr vert="horz" lIns="91440" tIns="45720" rIns="91440" bIns="45720" rtlCol="0" anchor="ctr"/>
           <a:lstStyle>
             <a:lvl1pPr algn="ctr">
-              <a:defRPr sz="1260">
+              <a:defRPr sz="1680">
                 <a:solidFill>
                   <a:schemeClr val="tx1">
                     <a:tint val="75000"/>
@@ -2623,8 +2621,8 @@
         </p:nvSpPr>
         <p:spPr>
           <a:xfrm>
-            <a:off x="9041130" y="7627621"/>
-            <a:ext cx="2880360" cy="438150"/>
+            <a:off x="9041130" y="11017676"/>
+            <a:ext cx="2880360" cy="632883"/>
           </a:xfrm>
           <a:prstGeom prst="rect">
             <a:avLst/>
@@ -2634,7 +2632,7 @@
           <a:bodyPr vert="horz" lIns="91440" tIns="45720" rIns="91440" bIns="45720" rtlCol="0" anchor="ctr"/>
           <a:lstStyle>
             <a:lvl1pPr algn="r">
-              <a:defRPr sz="1260">
+              <a:defRPr sz="1680">
                 <a:solidFill>
                   <a:schemeClr val="tx1">
                     <a:tint val="75000"/>
@@ -2655,27 +2653,27 @@
     </p:spTree>
     <p:extLst>
       <p:ext uri="{BB962C8B-B14F-4D97-AF65-F5344CB8AC3E}">
-        <p14:creationId xmlns:p14="http://schemas.microsoft.com/office/powerpoint/2010/main" val="2521170410"/>
+        <p14:creationId xmlns:p14="http://schemas.microsoft.com/office/powerpoint/2010/main" val="3439874854"/>
       </p:ext>
     </p:extLst>
   </p:cSld>
   <p:clrMap bg1="lt1" tx1="dk1" bg2="lt2" tx2="dk2" accent1="accent1" accent2="accent2" accent3="accent3" accent4="accent4" accent5="accent5" accent6="accent6" hlink="hlink" folHlink="folHlink"/>
   <p:sldLayoutIdLst>
-    <p:sldLayoutId id="2147483673" r:id="rId1"/>
-    <p:sldLayoutId id="2147483674" r:id="rId2"/>
-    <p:sldLayoutId id="2147483675" r:id="rId3"/>
-    <p:sldLayoutId id="2147483676" r:id="rId4"/>
-    <p:sldLayoutId id="2147483677" r:id="rId5"/>
-    <p:sldLayoutId id="2147483678" r:id="rId6"/>
-    <p:sldLayoutId id="2147483679" r:id="rId7"/>
-    <p:sldLayoutId id="2147483680" r:id="rId8"/>
-    <p:sldLayoutId id="2147483681" r:id="rId9"/>
-    <p:sldLayoutId id="2147483682" r:id="rId10"/>
-    <p:sldLayoutId id="2147483683" r:id="rId11"/>
+    <p:sldLayoutId id="2147483709" r:id="rId1"/>
+    <p:sldLayoutId id="2147483710" r:id="rId2"/>
+    <p:sldLayoutId id="2147483711" r:id="rId3"/>
+    <p:sldLayoutId id="2147483712" r:id="rId4"/>
+    <p:sldLayoutId id="2147483713" r:id="rId5"/>
+    <p:sldLayoutId id="2147483714" r:id="rId6"/>
+    <p:sldLayoutId id="2147483715" r:id="rId7"/>
+    <p:sldLayoutId id="2147483716" r:id="rId8"/>
+    <p:sldLayoutId id="2147483717" r:id="rId9"/>
+    <p:sldLayoutId id="2147483718" r:id="rId10"/>
+    <p:sldLayoutId id="2147483719" r:id="rId11"/>
   </p:sldLayoutIdLst>
   <p:txStyles>
     <p:titleStyle>
-      <a:lvl1pPr algn="l" defTabSz="960120" rtl="0" eaLnBrk="1" latinLnBrk="0" hangingPunct="1">
+      <a:lvl1pPr algn="l" defTabSz="1280160" rtl="0" eaLnBrk="1" latinLnBrk="0" hangingPunct="1">
         <a:lnSpc>
           <a:spcPct val="90000"/>
         </a:lnSpc>
@@ -2683,7 +2681,7 @@
           <a:spcPct val="0"/>
         </a:spcBef>
         <a:buNone/>
-        <a:defRPr sz="4620" kern="1200">
+        <a:defRPr sz="6160" kern="1200">
           <a:solidFill>
             <a:schemeClr val="tx1"/>
           </a:solidFill>
@@ -2694,16 +2692,16 @@
       </a:lvl1pPr>
     </p:titleStyle>
     <p:bodyStyle>
-      <a:lvl1pPr marL="240030" indent="-240030" algn="l" defTabSz="960120" rtl="0" eaLnBrk="1" latinLnBrk="0" hangingPunct="1">
+      <a:lvl1pPr marL="320040" indent="-320040" algn="l" defTabSz="1280160" rtl="0" eaLnBrk="1" latinLnBrk="0" hangingPunct="1">
         <a:lnSpc>
           <a:spcPct val="90000"/>
         </a:lnSpc>
         <a:spcBef>
-          <a:spcPts val="1050"/>
+          <a:spcPts val="1400"/>
         </a:spcBef>
         <a:buFont typeface="Arial" panose="020B0604020202020204" pitchFamily="34" charset="0"/>
         <a:buChar char="•"/>
-        <a:defRPr sz="2940" kern="1200">
+        <a:defRPr sz="3920" kern="1200">
           <a:solidFill>
             <a:schemeClr val="tx1"/>
           </a:solidFill>
@@ -2712,12 +2710,48 @@
           <a:cs typeface="+mn-cs"/>
         </a:defRPr>
       </a:lvl1pPr>
-      <a:lvl2pPr marL="720090" indent="-240030" algn="l" defTabSz="960120" rtl="0" eaLnBrk="1" latinLnBrk="0" hangingPunct="1">
+      <a:lvl2pPr marL="960120" indent="-320040" algn="l" defTabSz="1280160" rtl="0" eaLnBrk="1" latinLnBrk="0" hangingPunct="1">
         <a:lnSpc>
           <a:spcPct val="90000"/>
         </a:lnSpc>
         <a:spcBef>
-          <a:spcPts val="525"/>
+          <a:spcPts val="700"/>
+        </a:spcBef>
+        <a:buFont typeface="Arial" panose="020B0604020202020204" pitchFamily="34" charset="0"/>
+        <a:buChar char="•"/>
+        <a:defRPr sz="3360" kern="1200">
+          <a:solidFill>
+            <a:schemeClr val="tx1"/>
+          </a:solidFill>
+          <a:latin typeface="+mn-lt"/>
+          <a:ea typeface="+mn-ea"/>
+          <a:cs typeface="+mn-cs"/>
+        </a:defRPr>
+      </a:lvl2pPr>
+      <a:lvl3pPr marL="1600200" indent="-320040" algn="l" defTabSz="1280160" rtl="0" eaLnBrk="1" latinLnBrk="0" hangingPunct="1">
+        <a:lnSpc>
+          <a:spcPct val="90000"/>
+        </a:lnSpc>
+        <a:spcBef>
+          <a:spcPts val="700"/>
+        </a:spcBef>
+        <a:buFont typeface="Arial" panose="020B0604020202020204" pitchFamily="34" charset="0"/>
+        <a:buChar char="•"/>
+        <a:defRPr sz="2800" kern="1200">
+          <a:solidFill>
+            <a:schemeClr val="tx1"/>
+          </a:solidFill>
+          <a:latin typeface="+mn-lt"/>
+          <a:ea typeface="+mn-ea"/>
+          <a:cs typeface="+mn-cs"/>
+        </a:defRPr>
+      </a:lvl3pPr>
+      <a:lvl4pPr marL="2240280" indent="-320040" algn="l" defTabSz="1280160" rtl="0" eaLnBrk="1" latinLnBrk="0" hangingPunct="1">
+        <a:lnSpc>
+          <a:spcPct val="90000"/>
+        </a:lnSpc>
+        <a:spcBef>
+          <a:spcPts val="700"/>
         </a:spcBef>
         <a:buFont typeface="Arial" panose="020B0604020202020204" pitchFamily="34" charset="0"/>
         <a:buChar char="•"/>
@@ -2729,53 +2763,17 @@
           <a:ea typeface="+mn-ea"/>
           <a:cs typeface="+mn-cs"/>
         </a:defRPr>
-      </a:lvl2pPr>
-      <a:lvl3pPr marL="1200150" indent="-240030" algn="l" defTabSz="960120" rtl="0" eaLnBrk="1" latinLnBrk="0" hangingPunct="1">
+      </a:lvl4pPr>
+      <a:lvl5pPr marL="2880360" indent="-320040" algn="l" defTabSz="1280160" rtl="0" eaLnBrk="1" latinLnBrk="0" hangingPunct="1">
         <a:lnSpc>
           <a:spcPct val="90000"/>
         </a:lnSpc>
         <a:spcBef>
-          <a:spcPts val="525"/>
+          <a:spcPts val="700"/>
         </a:spcBef>
         <a:buFont typeface="Arial" panose="020B0604020202020204" pitchFamily="34" charset="0"/>
         <a:buChar char="•"/>
-        <a:defRPr sz="2100" kern="1200">
-          <a:solidFill>
-            <a:schemeClr val="tx1"/>
-          </a:solidFill>
-          <a:latin typeface="+mn-lt"/>
-          <a:ea typeface="+mn-ea"/>
-          <a:cs typeface="+mn-cs"/>
-        </a:defRPr>
-      </a:lvl3pPr>
-      <a:lvl4pPr marL="1680210" indent="-240030" algn="l" defTabSz="960120" rtl="0" eaLnBrk="1" latinLnBrk="0" hangingPunct="1">
-        <a:lnSpc>
-          <a:spcPct val="90000"/>
-        </a:lnSpc>
-        <a:spcBef>
-          <a:spcPts val="525"/>
-        </a:spcBef>
-        <a:buFont typeface="Arial" panose="020B0604020202020204" pitchFamily="34" charset="0"/>
-        <a:buChar char="•"/>
-        <a:defRPr sz="1890" kern="1200">
-          <a:solidFill>
-            <a:schemeClr val="tx1"/>
-          </a:solidFill>
-          <a:latin typeface="+mn-lt"/>
-          <a:ea typeface="+mn-ea"/>
-          <a:cs typeface="+mn-cs"/>
-        </a:defRPr>
-      </a:lvl4pPr>
-      <a:lvl5pPr marL="2160270" indent="-240030" algn="l" defTabSz="960120" rtl="0" eaLnBrk="1" latinLnBrk="0" hangingPunct="1">
-        <a:lnSpc>
-          <a:spcPct val="90000"/>
-        </a:lnSpc>
-        <a:spcBef>
-          <a:spcPts val="525"/>
-        </a:spcBef>
-        <a:buFont typeface="Arial" panose="020B0604020202020204" pitchFamily="34" charset="0"/>
-        <a:buChar char="•"/>
-        <a:defRPr sz="1890" kern="1200">
+        <a:defRPr sz="2520" kern="1200">
           <a:solidFill>
             <a:schemeClr val="tx1"/>
           </a:solidFill>
@@ -2784,16 +2782,16 @@
           <a:cs typeface="+mn-cs"/>
         </a:defRPr>
       </a:lvl5pPr>
-      <a:lvl6pPr marL="2640330" indent="-240030" algn="l" defTabSz="960120" rtl="0" eaLnBrk="1" latinLnBrk="0" hangingPunct="1">
+      <a:lvl6pPr marL="3520440" indent="-320040" algn="l" defTabSz="1280160" rtl="0" eaLnBrk="1" latinLnBrk="0" hangingPunct="1">
         <a:lnSpc>
           <a:spcPct val="90000"/>
         </a:lnSpc>
         <a:spcBef>
-          <a:spcPts val="525"/>
+          <a:spcPts val="700"/>
         </a:spcBef>
         <a:buFont typeface="Arial" panose="020B0604020202020204" pitchFamily="34" charset="0"/>
         <a:buChar char="•"/>
-        <a:defRPr sz="1890" kern="1200">
+        <a:defRPr sz="2520" kern="1200">
           <a:solidFill>
             <a:schemeClr val="tx1"/>
           </a:solidFill>
@@ -2802,16 +2800,16 @@
           <a:cs typeface="+mn-cs"/>
         </a:defRPr>
       </a:lvl6pPr>
-      <a:lvl7pPr marL="3120390" indent="-240030" algn="l" defTabSz="960120" rtl="0" eaLnBrk="1" latinLnBrk="0" hangingPunct="1">
+      <a:lvl7pPr marL="4160520" indent="-320040" algn="l" defTabSz="1280160" rtl="0" eaLnBrk="1" latinLnBrk="0" hangingPunct="1">
         <a:lnSpc>
           <a:spcPct val="90000"/>
         </a:lnSpc>
         <a:spcBef>
-          <a:spcPts val="525"/>
+          <a:spcPts val="700"/>
         </a:spcBef>
         <a:buFont typeface="Arial" panose="020B0604020202020204" pitchFamily="34" charset="0"/>
         <a:buChar char="•"/>
-        <a:defRPr sz="1890" kern="1200">
+        <a:defRPr sz="2520" kern="1200">
           <a:solidFill>
             <a:schemeClr val="tx1"/>
           </a:solidFill>
@@ -2820,16 +2818,16 @@
           <a:cs typeface="+mn-cs"/>
         </a:defRPr>
       </a:lvl7pPr>
-      <a:lvl8pPr marL="3600450" indent="-240030" algn="l" defTabSz="960120" rtl="0" eaLnBrk="1" latinLnBrk="0" hangingPunct="1">
+      <a:lvl8pPr marL="4800600" indent="-320040" algn="l" defTabSz="1280160" rtl="0" eaLnBrk="1" latinLnBrk="0" hangingPunct="1">
         <a:lnSpc>
           <a:spcPct val="90000"/>
         </a:lnSpc>
         <a:spcBef>
-          <a:spcPts val="525"/>
+          <a:spcPts val="700"/>
         </a:spcBef>
         <a:buFont typeface="Arial" panose="020B0604020202020204" pitchFamily="34" charset="0"/>
         <a:buChar char="•"/>
-        <a:defRPr sz="1890" kern="1200">
+        <a:defRPr sz="2520" kern="1200">
           <a:solidFill>
             <a:schemeClr val="tx1"/>
           </a:solidFill>
@@ -2838,16 +2836,16 @@
           <a:cs typeface="+mn-cs"/>
         </a:defRPr>
       </a:lvl8pPr>
-      <a:lvl9pPr marL="4080510" indent="-240030" algn="l" defTabSz="960120" rtl="0" eaLnBrk="1" latinLnBrk="0" hangingPunct="1">
+      <a:lvl9pPr marL="5440680" indent="-320040" algn="l" defTabSz="1280160" rtl="0" eaLnBrk="1" latinLnBrk="0" hangingPunct="1">
         <a:lnSpc>
           <a:spcPct val="90000"/>
         </a:lnSpc>
         <a:spcBef>
-          <a:spcPts val="525"/>
+          <a:spcPts val="700"/>
         </a:spcBef>
         <a:buFont typeface="Arial" panose="020B0604020202020204" pitchFamily="34" charset="0"/>
         <a:buChar char="•"/>
-        <a:defRPr sz="1890" kern="1200">
+        <a:defRPr sz="2520" kern="1200">
           <a:solidFill>
             <a:schemeClr val="tx1"/>
           </a:solidFill>
@@ -2861,8 +2859,8 @@
       <a:defPPr>
         <a:defRPr lang="en-US"/>
       </a:defPPr>
-      <a:lvl1pPr marL="0" algn="l" defTabSz="960120" rtl="0" eaLnBrk="1" latinLnBrk="0" hangingPunct="1">
-        <a:defRPr sz="1890" kern="1200">
+      <a:lvl1pPr marL="0" algn="l" defTabSz="1280160" rtl="0" eaLnBrk="1" latinLnBrk="0" hangingPunct="1">
+        <a:defRPr sz="2520" kern="1200">
           <a:solidFill>
             <a:schemeClr val="tx1"/>
           </a:solidFill>
@@ -2871,8 +2869,8 @@
           <a:cs typeface="+mn-cs"/>
         </a:defRPr>
       </a:lvl1pPr>
-      <a:lvl2pPr marL="480060" algn="l" defTabSz="960120" rtl="0" eaLnBrk="1" latinLnBrk="0" hangingPunct="1">
-        <a:defRPr sz="1890" kern="1200">
+      <a:lvl2pPr marL="640080" algn="l" defTabSz="1280160" rtl="0" eaLnBrk="1" latinLnBrk="0" hangingPunct="1">
+        <a:defRPr sz="2520" kern="1200">
           <a:solidFill>
             <a:schemeClr val="tx1"/>
           </a:solidFill>
@@ -2881,8 +2879,8 @@
           <a:cs typeface="+mn-cs"/>
         </a:defRPr>
       </a:lvl2pPr>
-      <a:lvl3pPr marL="960120" algn="l" defTabSz="960120" rtl="0" eaLnBrk="1" latinLnBrk="0" hangingPunct="1">
-        <a:defRPr sz="1890" kern="1200">
+      <a:lvl3pPr marL="1280160" algn="l" defTabSz="1280160" rtl="0" eaLnBrk="1" latinLnBrk="0" hangingPunct="1">
+        <a:defRPr sz="2520" kern="1200">
           <a:solidFill>
             <a:schemeClr val="tx1"/>
           </a:solidFill>
@@ -2891,8 +2889,8 @@
           <a:cs typeface="+mn-cs"/>
         </a:defRPr>
       </a:lvl3pPr>
-      <a:lvl4pPr marL="1440180" algn="l" defTabSz="960120" rtl="0" eaLnBrk="1" latinLnBrk="0" hangingPunct="1">
-        <a:defRPr sz="1890" kern="1200">
+      <a:lvl4pPr marL="1920240" algn="l" defTabSz="1280160" rtl="0" eaLnBrk="1" latinLnBrk="0" hangingPunct="1">
+        <a:defRPr sz="2520" kern="1200">
           <a:solidFill>
             <a:schemeClr val="tx1"/>
           </a:solidFill>
@@ -2901,8 +2899,8 @@
           <a:cs typeface="+mn-cs"/>
         </a:defRPr>
       </a:lvl4pPr>
-      <a:lvl5pPr marL="1920240" algn="l" defTabSz="960120" rtl="0" eaLnBrk="1" latinLnBrk="0" hangingPunct="1">
-        <a:defRPr sz="1890" kern="1200">
+      <a:lvl5pPr marL="2560320" algn="l" defTabSz="1280160" rtl="0" eaLnBrk="1" latinLnBrk="0" hangingPunct="1">
+        <a:defRPr sz="2520" kern="1200">
           <a:solidFill>
             <a:schemeClr val="tx1"/>
           </a:solidFill>
@@ -2911,8 +2909,8 @@
           <a:cs typeface="+mn-cs"/>
         </a:defRPr>
       </a:lvl5pPr>
-      <a:lvl6pPr marL="2400300" algn="l" defTabSz="960120" rtl="0" eaLnBrk="1" latinLnBrk="0" hangingPunct="1">
-        <a:defRPr sz="1890" kern="1200">
+      <a:lvl6pPr marL="3200400" algn="l" defTabSz="1280160" rtl="0" eaLnBrk="1" latinLnBrk="0" hangingPunct="1">
+        <a:defRPr sz="2520" kern="1200">
           <a:solidFill>
             <a:schemeClr val="tx1"/>
           </a:solidFill>
@@ -2921,8 +2919,8 @@
           <a:cs typeface="+mn-cs"/>
         </a:defRPr>
       </a:lvl6pPr>
-      <a:lvl7pPr marL="2880360" algn="l" defTabSz="960120" rtl="0" eaLnBrk="1" latinLnBrk="0" hangingPunct="1">
-        <a:defRPr sz="1890" kern="1200">
+      <a:lvl7pPr marL="3840480" algn="l" defTabSz="1280160" rtl="0" eaLnBrk="1" latinLnBrk="0" hangingPunct="1">
+        <a:defRPr sz="2520" kern="1200">
           <a:solidFill>
             <a:schemeClr val="tx1"/>
           </a:solidFill>
@@ -2931,8 +2929,8 @@
           <a:cs typeface="+mn-cs"/>
         </a:defRPr>
       </a:lvl7pPr>
-      <a:lvl8pPr marL="3360420" algn="l" defTabSz="960120" rtl="0" eaLnBrk="1" latinLnBrk="0" hangingPunct="1">
-        <a:defRPr sz="1890" kern="1200">
+      <a:lvl8pPr marL="4480560" algn="l" defTabSz="1280160" rtl="0" eaLnBrk="1" latinLnBrk="0" hangingPunct="1">
+        <a:defRPr sz="2520" kern="1200">
           <a:solidFill>
             <a:schemeClr val="tx1"/>
           </a:solidFill>
@@ -2941,8 +2939,8 @@
           <a:cs typeface="+mn-cs"/>
         </a:defRPr>
       </a:lvl8pPr>
-      <a:lvl9pPr marL="3840480" algn="l" defTabSz="960120" rtl="0" eaLnBrk="1" latinLnBrk="0" hangingPunct="1">
-        <a:defRPr sz="1890" kern="1200">
+      <a:lvl9pPr marL="5120640" algn="l" defTabSz="1280160" rtl="0" eaLnBrk="1" latinLnBrk="0" hangingPunct="1">
+        <a:defRPr sz="2520" kern="1200">
           <a:solidFill>
             <a:schemeClr val="tx1"/>
           </a:solidFill>
@@ -2973,29 +2971,6 @@
           <a:chExt cx="0" cy="0"/>
         </a:xfrm>
       </p:grpSpPr>
-      <p:pic>
-        <p:nvPicPr>
-          <p:cNvPr id="21" name="Picture 20"/>
-          <p:cNvPicPr>
-            <a:picLocks noChangeAspect="1"/>
-          </p:cNvPicPr>
-          <p:nvPr/>
-        </p:nvPicPr>
-        <p:blipFill rotWithShape="1">
-          <a:blip r:embed="rId2"/>
-          <a:srcRect l="13750" t="14589" r="16750" b="5114"/>
-          <a:stretch/>
-        </p:blipFill>
-        <p:spPr>
-          <a:xfrm>
-            <a:off x="10391" y="-51955"/>
-            <a:ext cx="12710160" cy="8260081"/>
-          </a:xfrm>
-          <a:prstGeom prst="rect">
-            <a:avLst/>
-          </a:prstGeom>
-        </p:spPr>
-      </p:pic>
       <p:grpSp>
         <p:nvGrpSpPr>
           <p:cNvPr id="41" name="Group 40"/>
@@ -3004,10 +2979,10 @@
         </p:nvGrpSpPr>
         <p:grpSpPr>
           <a:xfrm>
-            <a:off x="1967183" y="6335822"/>
-            <a:ext cx="9441723" cy="696418"/>
-            <a:chOff x="1766921" y="5472469"/>
-            <a:chExt cx="9441723" cy="696418"/>
+            <a:off x="633047" y="11103541"/>
+            <a:ext cx="12685130" cy="783659"/>
+            <a:chOff x="-1910220" y="5331498"/>
+            <a:chExt cx="12685130" cy="783658"/>
           </a:xfrm>
         </p:grpSpPr>
         <p:sp>
@@ -3018,8 +2993,8 @@
           </p:nvSpPr>
           <p:spPr>
             <a:xfrm>
-              <a:off x="1766921" y="5472469"/>
-              <a:ext cx="9441723" cy="461665"/>
+              <a:off x="-1910220" y="5331498"/>
+              <a:ext cx="12685130" cy="461664"/>
             </a:xfrm>
             <a:prstGeom prst="rect">
               <a:avLst/>
@@ -3034,7 +3009,7 @@
             <a:p>
               <a:r>
                 <a:rPr lang="en-US" sz="2400" dirty="0"/>
-                <a:t>Complex Map                     Empty Rectangle                   Linear Map</a:t>
+                <a:t>H- tree Map                           Complex Map                Empty Rectangle                   Linear Map</a:t>
               </a:r>
             </a:p>
           </p:txBody>
@@ -3047,8 +3022,8 @@
           </p:nvSpPr>
           <p:spPr>
             <a:xfrm>
-              <a:off x="2201068" y="5707222"/>
-              <a:ext cx="1204176" cy="461665"/>
+              <a:off x="1739157" y="5636801"/>
+              <a:ext cx="1204176" cy="461664"/>
             </a:xfrm>
             <a:prstGeom prst="rect">
               <a:avLst/>
@@ -3079,8 +3054,8 @@
           </p:nvSpPr>
           <p:spPr>
             <a:xfrm>
-              <a:off x="5372062" y="5703301"/>
-              <a:ext cx="1204176" cy="461665"/>
+              <a:off x="4756087" y="5653492"/>
+              <a:ext cx="1204176" cy="461664"/>
             </a:xfrm>
             <a:prstGeom prst="rect">
               <a:avLst/>
@@ -3111,8 +3086,8 @@
           </p:nvSpPr>
           <p:spPr>
             <a:xfrm>
-              <a:off x="8543057" y="5703301"/>
-              <a:ext cx="1204176" cy="461665"/>
+              <a:off x="7848453" y="5653492"/>
+              <a:ext cx="1204176" cy="461664"/>
             </a:xfrm>
             <a:prstGeom prst="rect">
               <a:avLst/>
@@ -3138,36 +3113,6 @@
       </p:grpSp>
       <p:pic>
         <p:nvPicPr>
-          <p:cNvPr id="42" name="Picture 41"/>
-          <p:cNvPicPr>
-            <a:picLocks noChangeAspect="1"/>
-          </p:cNvPicPr>
-          <p:nvPr/>
-        </p:nvPicPr>
-        <p:blipFill>
-          <a:blip r:embed="rId3">
-            <a:extLst>
-              <a:ext uri="{28A0092B-C50C-407E-A947-70E740481C1C}">
-                <a14:useLocalDpi xmlns:a14="http://schemas.microsoft.com/office/drawing/2010/main" val="0"/>
-              </a:ext>
-            </a:extLst>
-          </a:blip>
-          <a:stretch>
-            <a:fillRect/>
-          </a:stretch>
-        </p:blipFill>
-        <p:spPr>
-          <a:xfrm>
-            <a:off x="2118104" y="4468951"/>
-            <a:ext cx="1638323" cy="1930880"/>
-          </a:xfrm>
-          <a:prstGeom prst="rect">
-            <a:avLst/>
-          </a:prstGeom>
-        </p:spPr>
-      </p:pic>
-      <p:pic>
-        <p:nvPicPr>
           <p:cNvPr id="43" name="Picture 42"/>
           <p:cNvPicPr>
             <a:picLocks noChangeAspect="1"/>
@@ -3175,7 +3120,7 @@
           <p:nvPr/>
         </p:nvPicPr>
         <p:blipFill rotWithShape="1">
-          <a:blip r:embed="rId4">
+          <a:blip r:embed="rId2">
             <a:extLst>
               <a:ext uri="{28A0092B-C50C-407E-A947-70E740481C1C}">
                 <a14:useLocalDpi xmlns:a14="http://schemas.microsoft.com/office/drawing/2010/main" val="0"/>
@@ -3187,7 +3132,7 @@
         </p:blipFill>
         <p:spPr>
           <a:xfrm>
-            <a:off x="5281370" y="5765991"/>
+            <a:off x="6988250" y="10109395"/>
             <a:ext cx="1526224" cy="650421"/>
           </a:xfrm>
           <a:prstGeom prst="rect">
@@ -3204,7 +3149,7 @@
           <p:nvPr/>
         </p:nvPicPr>
         <p:blipFill rotWithShape="1">
-          <a:blip r:embed="rId5">
+          <a:blip r:embed="rId3">
             <a:extLst>
               <a:ext uri="{28A0092B-C50C-407E-A947-70E740481C1C}">
                 <a14:useLocalDpi xmlns:a14="http://schemas.microsoft.com/office/drawing/2010/main" val="0"/>
@@ -3216,7 +3161,7 @@
         </p:blipFill>
         <p:spPr>
           <a:xfrm>
-            <a:off x="8195522" y="6150193"/>
+            <a:off x="9902402" y="10493593"/>
             <a:ext cx="2200768" cy="313772"/>
           </a:xfrm>
           <a:prstGeom prst="rect">
@@ -3232,7 +3177,7 @@
         </p:nvGrpSpPr>
         <p:grpSpPr>
           <a:xfrm rot="898034">
-            <a:off x="9300599" y="6067871"/>
+            <a:off x="11007479" y="10411271"/>
             <a:ext cx="237584" cy="453010"/>
             <a:chOff x="8967346" y="6153530"/>
             <a:chExt cx="237584" cy="453010"/>
@@ -3352,7 +3297,7 @@
         </p:nvGrpSpPr>
         <p:grpSpPr>
           <a:xfrm rot="898034">
-            <a:off x="9110818" y="6083227"/>
+            <a:off x="10817698" y="10426628"/>
             <a:ext cx="237584" cy="453010"/>
             <a:chOff x="8967346" y="6153530"/>
             <a:chExt cx="237584" cy="453010"/>
@@ -3464,6 +3409,121 @@
           </p:style>
         </p:cxnSp>
       </p:grpSp>
+      <p:pic>
+        <p:nvPicPr>
+          <p:cNvPr id="4" name="Picture 3"/>
+          <p:cNvPicPr>
+            <a:picLocks noChangeAspect="1"/>
+          </p:cNvPicPr>
+          <p:nvPr/>
+        </p:nvPicPr>
+        <p:blipFill>
+          <a:blip r:embed="rId4">
+            <a:extLst>
+              <a:ext uri="{28A0092B-C50C-407E-A947-70E740481C1C}">
+                <a14:useLocalDpi xmlns:a14="http://schemas.microsoft.com/office/drawing/2010/main" val="0"/>
+              </a:ext>
+            </a:extLst>
+          </a:blip>
+          <a:stretch>
+            <a:fillRect/>
+          </a:stretch>
+        </p:blipFill>
+        <p:spPr>
+          <a:xfrm>
+            <a:off x="3876453" y="8751849"/>
+            <a:ext cx="2016119" cy="2376140"/>
+          </a:xfrm>
+          <a:prstGeom prst="rect">
+            <a:avLst/>
+          </a:prstGeom>
+        </p:spPr>
+      </p:pic>
+      <p:pic>
+        <p:nvPicPr>
+          <p:cNvPr id="5" name="Picture 4"/>
+          <p:cNvPicPr>
+            <a:picLocks noChangeAspect="1"/>
+          </p:cNvPicPr>
+          <p:nvPr/>
+        </p:nvPicPr>
+        <p:blipFill>
+          <a:blip r:embed="rId5">
+            <a:extLst>
+              <a:ext uri="{28A0092B-C50C-407E-A947-70E740481C1C}">
+                <a14:useLocalDpi xmlns:a14="http://schemas.microsoft.com/office/drawing/2010/main" val="0"/>
+              </a:ext>
+            </a:extLst>
+          </a:blip>
+          <a:stretch>
+            <a:fillRect/>
+          </a:stretch>
+        </p:blipFill>
+        <p:spPr>
+          <a:xfrm>
+            <a:off x="380197" y="8751848"/>
+            <a:ext cx="2394562" cy="2376141"/>
+          </a:xfrm>
+          <a:prstGeom prst="rect">
+            <a:avLst/>
+          </a:prstGeom>
+        </p:spPr>
+      </p:pic>
+      <p:sp>
+        <p:nvSpPr>
+          <p:cNvPr id="23" name="Rectangle 22"/>
+          <p:cNvSpPr/>
+          <p:nvPr/>
+        </p:nvSpPr>
+        <p:spPr>
+          <a:xfrm>
+            <a:off x="975390" y="11399717"/>
+            <a:ext cx="1204176" cy="461665"/>
+          </a:xfrm>
+          <a:prstGeom prst="rect">
+            <a:avLst/>
+          </a:prstGeom>
+        </p:spPr>
+        <p:txBody>
+          <a:bodyPr wrap="none">
+            <a:spAutoFit/>
+          </a:bodyPr>
+          <a:lstStyle/>
+          <a:p>
+            <a:r>
+              <a:rPr lang="en-US" sz="2400" i="1" dirty="0"/>
+              <a:t>m</a:t>
+            </a:r>
+            <a:r>
+              <a:rPr lang="en-US" sz="2400" dirty="0"/>
+              <a:t>=5000</a:t>
+            </a:r>
+          </a:p>
+        </p:txBody>
+      </p:sp>
+      <p:pic>
+        <p:nvPicPr>
+          <p:cNvPr id="6" name="Picture 5"/>
+          <p:cNvPicPr>
+            <a:picLocks noChangeAspect="1"/>
+          </p:cNvPicPr>
+          <p:nvPr/>
+        </p:nvPicPr>
+        <p:blipFill rotWithShape="1">
+          <a:blip r:embed="rId6"/>
+          <a:srcRect l="20334" t="12279" r="18819" b="12846"/>
+          <a:stretch/>
+        </p:blipFill>
+        <p:spPr>
+          <a:xfrm>
+            <a:off x="380197" y="53316"/>
+            <a:ext cx="12251786" cy="8480420"/>
+          </a:xfrm>
+          <a:prstGeom prst="rect">
+            <a:avLst/>
+          </a:prstGeom>
+        </p:spPr>
+      </p:pic>
     </p:spTree>
     <p:extLst>
       <p:ext uri="{BB962C8B-B14F-4D97-AF65-F5344CB8AC3E}">

--- a/pictures/pdf/MappingAlg3maps.pptx
+++ b/pictures/pdf/MappingAlg3maps.pptx
@@ -3009,7 +3009,7 @@
             <a:p>
               <a:r>
                 <a:rPr lang="en-US" sz="2400" dirty="0"/>
-                <a:t>H- tree Map                           Complex Map                Empty Rectangle                   Linear Map</a:t>
+                <a:t>H-tree Map                           Complex Map                Empty Rectangle                   Linear Map</a:t>
               </a:r>
             </a:p>
           </p:txBody>
